--- a/Lab 11/Lab 11 bài giảng.pptx
+++ b/Lab 11/Lab 11 bài giảng.pptx
@@ -200,6 +200,45 @@
 
 <file path=ppt/changesInfos/changesInfo1.xml><?xml version="1.0" encoding="utf-8"?>
 <pc:chgInfo xmlns:a="http://schemas.openxmlformats.org/drawingml/2006/main" xmlns:r="http://schemas.openxmlformats.org/officeDocument/2006/relationships" xmlns:ac="http://schemas.microsoft.com/office/drawing/2013/main/command" xmlns:pc="http://schemas.microsoft.com/office/powerpoint/2013/main/command">
+  <pc:docChgLst>
+    <pc:chgData name="Hang Anh Le" userId="afddc9ce3bd7fde8" providerId="LiveId" clId="{44D6E919-CA45-47CF-AE3D-F72DDC748989}"/>
+    <pc:docChg chg="undo custSel modSld">
+      <pc:chgData name="Hang Anh Le" userId="afddc9ce3bd7fde8" providerId="LiveId" clId="{44D6E919-CA45-47CF-AE3D-F72DDC748989}" dt="2024-06-01T09:05:26.548" v="4" actId="20577"/>
+      <pc:docMkLst>
+        <pc:docMk/>
+      </pc:docMkLst>
+      <pc:sldChg chg="modSp mod">
+        <pc:chgData name="Hang Anh Le" userId="afddc9ce3bd7fde8" providerId="LiveId" clId="{44D6E919-CA45-47CF-AE3D-F72DDC748989}" dt="2024-06-01T08:13:53.559" v="1" actId="20577"/>
+        <pc:sldMkLst>
+          <pc:docMk/>
+          <pc:sldMk cId="2884718786" sldId="335"/>
+        </pc:sldMkLst>
+        <pc:spChg chg="mod">
+          <ac:chgData name="Hang Anh Le" userId="afddc9ce3bd7fde8" providerId="LiveId" clId="{44D6E919-CA45-47CF-AE3D-F72DDC748989}" dt="2024-06-01T08:13:53.559" v="1" actId="20577"/>
+          <ac:spMkLst>
+            <pc:docMk/>
+            <pc:sldMk cId="2884718786" sldId="335"/>
+            <ac:spMk id="3" creationId="{00000000-0000-0000-0000-000000000000}"/>
+          </ac:spMkLst>
+        </pc:spChg>
+      </pc:sldChg>
+      <pc:sldChg chg="modSp mod">
+        <pc:chgData name="Hang Anh Le" userId="afddc9ce3bd7fde8" providerId="LiveId" clId="{44D6E919-CA45-47CF-AE3D-F72DDC748989}" dt="2024-06-01T09:05:26.548" v="4" actId="20577"/>
+        <pc:sldMkLst>
+          <pc:docMk/>
+          <pc:sldMk cId="2610704029" sldId="344"/>
+        </pc:sldMkLst>
+        <pc:spChg chg="mod">
+          <ac:chgData name="Hang Anh Le" userId="afddc9ce3bd7fde8" providerId="LiveId" clId="{44D6E919-CA45-47CF-AE3D-F72DDC748989}" dt="2024-06-01T09:05:26.548" v="4" actId="20577"/>
+          <ac:spMkLst>
+            <pc:docMk/>
+            <pc:sldMk cId="2610704029" sldId="344"/>
+            <ac:spMk id="3" creationId="{00000000-0000-0000-0000-000000000000}"/>
+          </ac:spMkLst>
+        </pc:spChg>
+      </pc:sldChg>
+    </pc:docChg>
+  </pc:docChgLst>
   <pc:docChgLst>
     <pc:chgData name="Hang Anh Le" userId="afddc9ce3bd7fde8" providerId="LiveId" clId="{21279385-BCED-44FB-8489-4EBF524794FE}"/>
     <pc:docChg chg="undo custSel modSld">
@@ -9544,7 +9583,7 @@
           <p:nvPr>
             <p:extLst>
               <p:ext uri="{D42A27DB-BD31-4B8C-83A1-F6EECF244321}">
-                <p14:modId xmlns:p14="http://schemas.microsoft.com/office/powerpoint/2010/main" val="1794162619"/>
+                <p14:modId xmlns:p14="http://schemas.microsoft.com/office/powerpoint/2010/main" val="995423606"/>
               </p:ext>
             </p:extLst>
           </p:nvPr>
@@ -10316,7 +10355,7 @@
           <p:nvPr>
             <p:extLst>
               <p:ext uri="{D42A27DB-BD31-4B8C-83A1-F6EECF244321}">
-                <p14:modId xmlns:p14="http://schemas.microsoft.com/office/powerpoint/2010/main" val="2868204908"/>
+                <p14:modId xmlns:p14="http://schemas.microsoft.com/office/powerpoint/2010/main" val="1671986797"/>
               </p:ext>
             </p:extLst>
           </p:nvPr>
@@ -11073,25 +11112,25 @@
           <p:nvPr>
             <p:extLst>
               <p:ext uri="{D42A27DB-BD31-4B8C-83A1-F6EECF244321}">
-                <p14:modId xmlns:p14="http://schemas.microsoft.com/office/powerpoint/2010/main" val="942798500"/>
+                <p14:modId xmlns:p14="http://schemas.microsoft.com/office/powerpoint/2010/main" val="3204719328"/>
               </p:ext>
             </p:extLst>
           </p:nvPr>
         </p:nvGraphicFramePr>
         <p:xfrm>
-          <a:off x="400939" y="3329780"/>
-          <a:ext cx="1541639" cy="1112837"/>
+          <a:off x="619125" y="3487738"/>
+          <a:ext cx="1104900" cy="795337"/>
         </p:xfrm>
         <a:graphic>
           <a:graphicData uri="http://schemas.openxmlformats.org/presentationml/2006/ole">
             <mc:AlternateContent xmlns:mc="http://schemas.openxmlformats.org/markup-compatibility/2006">
               <mc:Choice xmlns:v="urn:schemas-microsoft-com:vml" Requires="v">
-                <p:oleObj name="Packager Shell Object" showAsIcon="1" r:id="rId2" imgW="719167" imgH="519199" progId="Package">
+                <p:oleObj name="Packager Shell Object" showAsIcon="1" r:id="rId2" imgW="516600" imgH="372240" progId="Package">
                   <p:embed/>
                 </p:oleObj>
               </mc:Choice>
               <mc:Fallback>
-                <p:oleObj name="Packager Shell Object" showAsIcon="1" r:id="rId2" imgW="719167" imgH="519199" progId="Package">
+                <p:oleObj name="Packager Shell Object" showAsIcon="1" r:id="rId2" imgW="516600" imgH="372240" progId="Package">
                   <p:embed/>
                   <p:pic>
                     <p:nvPicPr>
@@ -11113,8 +11152,8 @@
                     </p:blipFill>
                     <p:spPr>
                       <a:xfrm>
-                        <a:off x="400939" y="3329780"/>
-                        <a:ext cx="1541639" cy="1112837"/>
+                        <a:off x="619125" y="3487738"/>
+                        <a:ext cx="1104900" cy="795337"/>
                       </a:xfrm>
                       <a:prstGeom prst="rect">
                         <a:avLst/>
@@ -15134,7 +15173,19 @@
               <a:rPr lang="vi-VN" altLang="en-US" dirty="0">
                 <a:ea typeface="Arial" charset="0"/>
               </a:rPr>
-              <a:t>Viết chương trình lưu thông tin sinh viên vào một file .CSV có tên là sinhvien.csv.</a:t>
+              <a:t>Viết chương trình lưu thông tin sinh viên vào một </a:t>
+            </a:r>
+            <a:r>
+              <a:rPr lang="vi-VN" altLang="en-US" dirty="0" err="1">
+                <a:ea typeface="Arial" charset="0"/>
+              </a:rPr>
+              <a:t>file</a:t>
+            </a:r>
+            <a:r>
+              <a:rPr lang="vi-VN" altLang="en-US" dirty="0">
+                <a:ea typeface="Arial" charset="0"/>
+              </a:rPr>
+              <a:t> .CSV có tên là sinhvien.csv.</a:t>
             </a:r>
             <a:endParaRPr lang="en-US" altLang="en-US" dirty="0">
               <a:ea typeface="Arial" charset="0"/>
@@ -21759,7 +21810,25 @@
               <a:rPr lang="vi-VN" altLang="en-US" dirty="0">
                 <a:ea typeface="Arial" charset="0"/>
               </a:rPr>
-              <a:t>Để quản lý nhân viên lưu trữ nội dung các thông tín dạng cấu trúc gồm: Mã NV, TânNV, Chức vụ, Hệ số lương, Lương, Phụ cấp chức vụ, Thực lĩnh.</a:t>
+              <a:t>Để quản lý nhân viên lưu trữ nội dung các thông tín dạng cấu trúc gồm: Mã NV, T</a:t>
+            </a:r>
+            <a:r>
+              <a:rPr lang="en-US" altLang="en-US" dirty="0">
+                <a:ea typeface="Arial" charset="0"/>
+              </a:rPr>
+              <a:t>ê</a:t>
+            </a:r>
+            <a:r>
+              <a:rPr lang="vi-VN" altLang="en-US" dirty="0" err="1">
+                <a:ea typeface="Arial" charset="0"/>
+              </a:rPr>
+              <a:t>nNV</a:t>
+            </a:r>
+            <a:r>
+              <a:rPr lang="vi-VN" altLang="en-US" dirty="0">
+                <a:ea typeface="Arial" charset="0"/>
+              </a:rPr>
+              <a:t>, Chức vụ, Hệ số lương, Lương, Phụ cấp chức vụ, Thực lĩnh.</a:t>
             </a:r>
             <a:endParaRPr lang="en-US" altLang="en-US" dirty="0">
               <a:ea typeface="Arial" charset="0"/>
